--- a/柴雪新的个人简历-0630.pptx
+++ b/柴雪新的个人简历-0630.pptx
@@ -4958,17 +4958,7 @@
                 <a:latin typeface="方正姚体" panose="02010601030101010101" pitchFamily="2" charset="-122"/>
                 <a:ea typeface="方正姚体" panose="02010601030101010101" pitchFamily="2" charset="-122"/>
               </a:rPr>
-              <a:t>17719576852</a:t>
-            </a:r>
-            <a:r>
-              <a:rPr lang="en-US" altLang="zh-CN" sz="1400" dirty="0">
-                <a:solidFill>
-                  <a:schemeClr val="tx1"/>
-                </a:solidFill>
-                <a:latin typeface="方正姚体" panose="02010601030101010101" pitchFamily="2" charset="-122"/>
-                <a:ea typeface="方正姚体" panose="02010601030101010101" pitchFamily="2" charset="-122"/>
-              </a:rPr>
-              <a:t> </a:t>
+              <a:t>17719576852 </a:t>
             </a:r>
             <a:r>
               <a:rPr lang="en-US" altLang="zh-CN" sz="1400" dirty="0" smtClean="0">
@@ -5259,7 +5249,7 @@
                 <a:latin typeface="方正姚体" panose="02010601030101010101" pitchFamily="2" charset="-122"/>
                 <a:ea typeface="方正姚体" panose="02010601030101010101" pitchFamily="2" charset="-122"/>
               </a:rPr>
-              <a:t>性格魅力</a:t>
+              <a:t>个人品格</a:t>
             </a:r>
             <a:endParaRPr lang="en-US" altLang="zh-CN" sz="1400" b="1" u="sng" dirty="0" smtClean="0">
               <a:solidFill>
@@ -5319,7 +5309,7 @@
                 <a:latin typeface="方正姚体" panose="02010601030101010101" pitchFamily="2" charset="-122"/>
                 <a:ea typeface="方正姚体" panose="02010601030101010101" pitchFamily="2" charset="-122"/>
               </a:rPr>
-              <a:t>专业魅力</a:t>
+              <a:t>专业知识</a:t>
             </a:r>
             <a:endParaRPr lang="en-US" altLang="zh-CN" sz="1400" b="1" u="sng" dirty="0" smtClean="0">
               <a:solidFill>
@@ -5791,7 +5781,7 @@
                 <a:latin typeface="方正姚体" panose="02010601030101010101" pitchFamily="2" charset="-122"/>
                 <a:ea typeface="方正姚体" panose="02010601030101010101" pitchFamily="2" charset="-122"/>
               </a:rPr>
-              <a:t>2016.4-2018.3</a:t>
+              <a:t>2016.5-2018.5</a:t>
             </a:r>
             <a:endParaRPr lang="zh-CN" altLang="en-US" sz="1400" dirty="0">
               <a:solidFill>
@@ -5875,7 +5865,7 @@
                 <a:latin typeface="方正姚体" panose="02010601030101010101" pitchFamily="2" charset="-122"/>
                 <a:ea typeface="方正姚体" panose="02010601030101010101" pitchFamily="2" charset="-122"/>
               </a:rPr>
-              <a:t>科技运维中级</a:t>
+              <a:t>科技运维初级</a:t>
             </a:r>
             <a:r>
               <a:rPr lang="zh-CN" altLang="en-US" sz="1400" b="1" dirty="0" smtClean="0">
@@ -7010,7 +7000,7 @@
                   <a:latin typeface="方正姚体" panose="02010601030101010101" pitchFamily="2" charset="-122"/>
                   <a:ea typeface="方正姚体" panose="02010601030101010101" pitchFamily="2" charset="-122"/>
                 </a:rPr>
-                <a:t>2013.7-2016.4</a:t>
+                <a:t>2013.7-2016.5</a:t>
               </a:r>
               <a:endParaRPr lang="zh-CN" altLang="en-US" sz="1400" dirty="0">
                 <a:solidFill>
@@ -7789,17 +7779,7 @@
                 <a:latin typeface="方正姚体" panose="02010601030101010101" pitchFamily="2" charset="-122"/>
                 <a:ea typeface="方正姚体" panose="02010601030101010101" pitchFamily="2" charset="-122"/>
               </a:rPr>
-              <a:t>Centos </a:t>
-            </a:r>
-            <a:r>
-              <a:rPr lang="en-US" altLang="zh-CN" sz="1400" dirty="0">
-                <a:solidFill>
-                  <a:schemeClr val="tx1"/>
-                </a:solidFill>
-                <a:latin typeface="方正姚体" panose="02010601030101010101" pitchFamily="2" charset="-122"/>
-                <a:ea typeface="方正姚体" panose="02010601030101010101" pitchFamily="2" charset="-122"/>
-              </a:rPr>
-              <a:t>6.8 </a:t>
+              <a:t>Centos 6.8 </a:t>
             </a:r>
             <a:endParaRPr lang="en-US" altLang="zh-CN" sz="1400" dirty="0">
               <a:solidFill>

--- a/柴雪新的个人简历-0630.pptx
+++ b/柴雪新的个人简历-0630.pptx
@@ -4778,14 +4778,14 @@
               <a:t>已有</a:t>
             </a:r>
             <a:r>
-              <a:rPr lang="en-US" altLang="zh-CN" sz="1400" dirty="0">
-                <a:solidFill>
-                  <a:schemeClr val="tx1"/>
-                </a:solidFill>
-                <a:latin typeface="方正姚体" panose="02010601030101010101" pitchFamily="2" charset="-122"/>
-                <a:ea typeface="方正姚体" panose="02010601030101010101" pitchFamily="2" charset="-122"/>
-              </a:rPr>
-              <a:t>5</a:t>
+              <a:rPr lang="en-US" altLang="zh-CN" sz="1400" dirty="0" smtClean="0">
+                <a:solidFill>
+                  <a:schemeClr val="tx1"/>
+                </a:solidFill>
+                <a:latin typeface="方正姚体" panose="02010601030101010101" pitchFamily="2" charset="-122"/>
+                <a:ea typeface="方正姚体" panose="02010601030101010101" pitchFamily="2" charset="-122"/>
+              </a:rPr>
+              <a:t>4</a:t>
             </a:r>
             <a:r>
               <a:rPr lang="zh-CN" altLang="en-US" sz="1400" dirty="0" smtClean="0">
@@ -7000,7 +7000,7 @@
                   <a:latin typeface="方正姚体" panose="02010601030101010101" pitchFamily="2" charset="-122"/>
                   <a:ea typeface="方正姚体" panose="02010601030101010101" pitchFamily="2" charset="-122"/>
                 </a:rPr>
-                <a:t>2013.7-2016.5</a:t>
+                <a:t>2014.7-2016.5</a:t>
               </a:r>
               <a:endParaRPr lang="zh-CN" altLang="en-US" sz="1400" dirty="0">
                 <a:solidFill>
@@ -7469,7 +7469,7 @@
                 <a:latin typeface="方正姚体" panose="02010601030101010101" pitchFamily="2" charset="-122"/>
                 <a:ea typeface="方正姚体" panose="02010601030101010101" pitchFamily="2" charset="-122"/>
               </a:rPr>
-              <a:t>2</a:t>
+              <a:t>1</a:t>
             </a:r>
             <a:r>
               <a:rPr lang="zh-CN" altLang="en-US" sz="1400" b="1" dirty="0" smtClean="0">

--- a/柴雪新的个人简历-0630.pptx
+++ b/柴雪新的个人简历-0630.pptx
@@ -4795,7 +4795,37 @@
                 <a:latin typeface="方正姚体" panose="02010601030101010101" pitchFamily="2" charset="-122"/>
                 <a:ea typeface="方正姚体" panose="02010601030101010101" pitchFamily="2" charset="-122"/>
               </a:rPr>
-              <a:t>年工作经验</a:t>
+              <a:t>年工作经验 </a:t>
+            </a:r>
+            <a:r>
+              <a:rPr lang="en-US" altLang="zh-CN" sz="1400" dirty="0" smtClean="0">
+                <a:solidFill>
+                  <a:schemeClr val="tx1"/>
+                </a:solidFill>
+                <a:latin typeface="方正姚体" panose="02010601030101010101" pitchFamily="2" charset="-122"/>
+                <a:ea typeface="方正姚体" panose="02010601030101010101" pitchFamily="2" charset="-122"/>
+              </a:rPr>
+              <a:t>| </a:t>
+            </a:r>
+            <a:r>
+              <a:rPr lang="zh-CN" altLang="en-US" sz="1400" b="1" dirty="0" smtClean="0">
+                <a:solidFill>
+                  <a:schemeClr val="tx1"/>
+                </a:solidFill>
+                <a:latin typeface="方正姚体" panose="02010601030101010101" pitchFamily="2" charset="-122"/>
+                <a:ea typeface="方正姚体" panose="02010601030101010101" pitchFamily="2" charset="-122"/>
+              </a:rPr>
+              <a:t>学历</a:t>
+            </a:r>
+            <a:r>
+              <a:rPr lang="zh-CN" altLang="en-US" sz="1400" dirty="0" smtClean="0">
+                <a:solidFill>
+                  <a:schemeClr val="tx1"/>
+                </a:solidFill>
+                <a:latin typeface="方正姚体" panose="02010601030101010101" pitchFamily="2" charset="-122"/>
+                <a:ea typeface="方正姚体" panose="02010601030101010101" pitchFamily="2" charset="-122"/>
+              </a:rPr>
+              <a:t>：大专</a:t>
             </a:r>
             <a:endParaRPr lang="en-US" altLang="zh-CN" sz="1400" dirty="0" smtClean="0">
               <a:solidFill>

--- a/柴雪新的个人简历-0630.pptx
+++ b/柴雪新的个人简历-0630.pptx
@@ -5687,26 +5687,6 @@
                 <a:latin typeface="方正姚体" panose="02010601030101010101" pitchFamily="2" charset="-122"/>
                 <a:ea typeface="方正姚体" panose="02010601030101010101" pitchFamily="2" charset="-122"/>
               </a:rPr>
-              <a:t>、</a:t>
-            </a:r>
-            <a:r>
-              <a:rPr lang="en-US" altLang="zh-CN" sz="1400" dirty="0" err="1">
-                <a:solidFill>
-                  <a:schemeClr val="tx1"/>
-                </a:solidFill>
-                <a:latin typeface="方正姚体" panose="02010601030101010101" pitchFamily="2" charset="-122"/>
-                <a:ea typeface="方正姚体" panose="02010601030101010101" pitchFamily="2" charset="-122"/>
-              </a:rPr>
-              <a:t>openstack</a:t>
-            </a:r>
-            <a:r>
-              <a:rPr lang="zh-CN" altLang="en-US" sz="1400" dirty="0">
-                <a:solidFill>
-                  <a:schemeClr val="tx1"/>
-                </a:solidFill>
-                <a:latin typeface="方正姚体" panose="02010601030101010101" pitchFamily="2" charset="-122"/>
-                <a:ea typeface="方正姚体" panose="02010601030101010101" pitchFamily="2" charset="-122"/>
-              </a:rPr>
               <a:t>的基本操作；</a:t>
             </a:r>
             <a:endParaRPr lang="zh-CN" altLang="en-US" sz="1400" dirty="0">
@@ -7030,7 +7010,7 @@
                   <a:latin typeface="方正姚体" panose="02010601030101010101" pitchFamily="2" charset="-122"/>
                   <a:ea typeface="方正姚体" panose="02010601030101010101" pitchFamily="2" charset="-122"/>
                 </a:rPr>
-                <a:t>2014.7-2016.5</a:t>
+                <a:t>2013.7-2016.5</a:t>
               </a:r>
               <a:endParaRPr lang="zh-CN" altLang="en-US" sz="1400" dirty="0">
                 <a:solidFill>
@@ -7499,7 +7479,7 @@
                 <a:latin typeface="方正姚体" panose="02010601030101010101" pitchFamily="2" charset="-122"/>
                 <a:ea typeface="方正姚体" panose="02010601030101010101" pitchFamily="2" charset="-122"/>
               </a:rPr>
-              <a:t>1</a:t>
+              <a:t>2</a:t>
             </a:r>
             <a:r>
               <a:rPr lang="zh-CN" altLang="en-US" sz="1400" b="1" dirty="0" smtClean="0">
